--- a/Prezentacija.pptx
+++ b/Prezentacija.pptx
@@ -306,7 +306,7 @@
           <a:p>
             <a:fld id="{8D5D83F1-BF6E-4A98-8153-BAC9ABDE7CE3}" type="datetimeFigureOut">
               <a:rPr lang="en-US" dirty="0"/>
-              <a:t>1/25/2026</a:t>
+              <a:t>1/26/2026</a:t>
             </a:fld>
             <a:endParaRPr lang="en-US" dirty="0"/>
           </a:p>
@@ -524,7 +524,7 @@
           <a:p>
             <a:fld id="{ED9BE5A2-57A1-4629-B29D-D386573AF9F3}" type="datetimeFigureOut">
               <a:rPr lang="en-US" dirty="0"/>
-              <a:t>1/25/2026</a:t>
+              <a:t>1/26/2026</a:t>
             </a:fld>
             <a:endParaRPr lang="en-US" dirty="0"/>
           </a:p>
@@ -736,7 +736,7 @@
           <a:p>
             <a:fld id="{A3A72485-1B57-41B4-A998-97848CC136C2}" type="datetimeFigureOut">
               <a:rPr lang="en-US" dirty="0"/>
-              <a:t>1/25/2026</a:t>
+              <a:t>1/26/2026</a:t>
             </a:fld>
             <a:endParaRPr lang="en-US" dirty="0"/>
           </a:p>
@@ -938,7 +938,7 @@
           <a:p>
             <a:fld id="{BA576E92-E5C8-4FF8-B2BE-A516F6A1724E}" type="datetimeFigureOut">
               <a:rPr lang="en-US" dirty="0"/>
-              <a:t>1/25/2026</a:t>
+              <a:t>1/26/2026</a:t>
             </a:fld>
             <a:endParaRPr lang="en-US" dirty="0"/>
           </a:p>
@@ -1221,7 +1221,7 @@
           <a:p>
             <a:fld id="{06DDB232-C681-46A2-B21F-2BD21E9CA134}" type="datetimeFigureOut">
               <a:rPr lang="en-US" dirty="0"/>
-              <a:t>1/25/2026</a:t>
+              <a:t>1/26/2026</a:t>
             </a:fld>
             <a:endParaRPr lang="en-US" dirty="0"/>
           </a:p>
@@ -1490,7 +1490,7 @@
           <a:p>
             <a:fld id="{30ABE26E-66F9-4E5F-9E07-CA7CDB200281}" type="datetimeFigureOut">
               <a:rPr lang="en-US" dirty="0"/>
-              <a:t>1/25/2026</a:t>
+              <a:t>1/26/2026</a:t>
             </a:fld>
             <a:endParaRPr lang="en-US" dirty="0"/>
           </a:p>
@@ -1910,7 +1910,7 @@
           <a:p>
             <a:fld id="{85A1A01C-F286-49E7-998E-3D5BB613F99A}" type="datetimeFigureOut">
               <a:rPr lang="en-US" dirty="0"/>
-              <a:t>1/25/2026</a:t>
+              <a:t>1/26/2026</a:t>
             </a:fld>
             <a:endParaRPr lang="en-US" dirty="0"/>
           </a:p>
@@ -2055,7 +2055,7 @@
           <a:p>
             <a:fld id="{B7CC2C0A-F771-42D9-AAB0-90C3A2B0FEAD}" type="datetimeFigureOut">
               <a:rPr lang="en-US" dirty="0"/>
-              <a:t>1/25/2026</a:t>
+              <a:t>1/26/2026</a:t>
             </a:fld>
             <a:endParaRPr lang="en-US" dirty="0"/>
           </a:p>
@@ -2172,7 +2172,7 @@
           <a:p>
             <a:fld id="{2CA2A270-409D-4410-9649-B7481576446C}" type="datetimeFigureOut">
               <a:rPr lang="en-US" dirty="0"/>
-              <a:t>1/25/2026</a:t>
+              <a:t>1/26/2026</a:t>
             </a:fld>
             <a:endParaRPr lang="en-US" dirty="0"/>
           </a:p>
@@ -2489,7 +2489,7 @@
           <a:p>
             <a:fld id="{42200AA3-798A-4433-8927-6E115914B6EF}" type="datetimeFigureOut">
               <a:rPr lang="en-US" dirty="0"/>
-              <a:t>1/25/2026</a:t>
+              <a:t>1/26/2026</a:t>
             </a:fld>
             <a:endParaRPr lang="en-US" dirty="0"/>
           </a:p>
@@ -2781,7 +2781,7 @@
           <a:p>
             <a:fld id="{36322871-0F85-43DC-99D7-CA8E7437E2EC}" type="datetimeFigureOut">
               <a:rPr lang="en-US" dirty="0"/>
-              <a:t>1/25/2026</a:t>
+              <a:t>1/26/2026</a:t>
             </a:fld>
             <a:endParaRPr lang="en-US" dirty="0"/>
           </a:p>
@@ -3024,7 +3024,7 @@
           <a:p>
             <a:fld id="{E857DF4D-D974-434D-9D64-40B7405DF5F0}" type="datetimeFigureOut">
               <a:rPr lang="en-US" dirty="0"/>
-              <a:t>1/25/2026</a:t>
+              <a:t>1/26/2026</a:t>
             </a:fld>
             <a:endParaRPr lang="en-US" dirty="0"/>
           </a:p>
@@ -4426,7 +4426,8 @@
           <a:lstStyle/>
           <a:p>
             <a:fld id="{9E89AEBF-B51C-493C-A412-9FDB816688AA}" type="datetime1">
-              <a:t>1/25/2026</a:t>
+              <a:rPr lang="sr-Latn-RS"/>
+              <a:t>26.1.2026.</a:t>
             </a:fld>
             <a:endParaRPr lang="en-US" dirty="0"/>
           </a:p>
@@ -4950,7 +4951,8 @@
           <a:lstStyle/>
           <a:p>
             <a:fld id="{AC36C209-102C-40EA-B0DA-8CA82F367726}" type="datetime1">
-              <a:t>1/25/2026</a:t>
+              <a:rPr lang="sr-Latn-RS"/>
+              <a:t>26.1.2026.</a:t>
             </a:fld>
             <a:endParaRPr lang="en-US" dirty="0"/>
           </a:p>
@@ -5110,7 +5112,12 @@
             <p:ph idx="1"/>
           </p:nvPr>
         </p:nvSpPr>
-        <p:spPr/>
+        <p:spPr>
+          <a:xfrm>
+            <a:off x="914399" y="2559171"/>
+            <a:ext cx="10616610" cy="3648446"/>
+          </a:xfrm>
+        </p:spPr>
         <p:txBody>
           <a:bodyPr vert="horz" lIns="91440" tIns="45720" rIns="91440" bIns="45720" rtlCol="0" anchor="t">
             <a:normAutofit/>
@@ -5180,118 +5187,118 @@
           <a:p>
             <a:pPr marL="493395" lvl="1"/>
             <a:r>
-              <a:rPr lang="en-US" b="1" err="1">
-                <a:latin typeface="Consolas"/>
-              </a:rPr>
-              <a:t>coreThreadPoolSize</a:t>
-            </a:r>
-            <a:r>
-              <a:rPr lang="en-US" dirty="0"/>
-              <a:t>: </a:t>
-            </a:r>
-            <a:r>
-              <a:rPr lang="en-US" err="1"/>
-              <a:t>Broj</a:t>
-            </a:r>
-            <a:r>
-              <a:rPr lang="en-US" dirty="0"/>
-              <a:t> </a:t>
-            </a:r>
-            <a:r>
-              <a:rPr lang="en-US" err="1"/>
-              <a:t>niti</a:t>
-            </a:r>
-            <a:r>
-              <a:rPr lang="en-US" dirty="0"/>
-              <a:t> koji </a:t>
-            </a:r>
-            <a:r>
-              <a:rPr lang="en-US" err="1"/>
-              <a:t>uvek</a:t>
-            </a:r>
-            <a:r>
-              <a:rPr lang="en-US" dirty="0"/>
-              <a:t> </a:t>
-            </a:r>
-            <a:r>
-              <a:rPr lang="en-US" err="1"/>
-              <a:t>ostaje</a:t>
-            </a:r>
-            <a:r>
-              <a:rPr lang="en-US" dirty="0"/>
-              <a:t> </a:t>
-            </a:r>
-            <a:r>
-              <a:rPr lang="en-US" err="1"/>
-              <a:t>aktivan</a:t>
-            </a:r>
-            <a:r>
-              <a:rPr lang="en-US" dirty="0"/>
-              <a:t> u </a:t>
-            </a:r>
-            <a:r>
-              <a:rPr lang="en-US" err="1"/>
-              <a:t>memoriji</a:t>
-            </a:r>
-            <a:r>
-              <a:rPr lang="en-US" dirty="0"/>
-              <a:t>, </a:t>
-            </a:r>
-            <a:r>
-              <a:rPr lang="en-US" err="1"/>
-              <a:t>čak</a:t>
-            </a:r>
-            <a:r>
-              <a:rPr lang="en-US" dirty="0"/>
-              <a:t> </a:t>
-            </a:r>
-            <a:r>
-              <a:rPr lang="en-US" err="1"/>
-              <a:t>i</a:t>
-            </a:r>
-            <a:r>
-              <a:rPr lang="en-US" dirty="0"/>
-              <a:t> </a:t>
-            </a:r>
-            <a:r>
-              <a:rPr lang="en-US" err="1"/>
-              <a:t>ako</a:t>
-            </a:r>
-            <a:r>
-              <a:rPr lang="en-US" dirty="0"/>
-              <a:t> </a:t>
-            </a:r>
-            <a:r>
-              <a:rPr lang="en-US" err="1"/>
-              <a:t>nema</a:t>
-            </a:r>
-            <a:r>
-              <a:rPr lang="en-US" dirty="0"/>
-              <a:t> </a:t>
-            </a:r>
-            <a:r>
-              <a:rPr lang="en-US" err="1"/>
-              <a:t>posla</a:t>
-            </a:r>
-            <a:r>
-              <a:rPr lang="en-US" dirty="0"/>
-              <a:t> (</a:t>
-            </a:r>
-            <a:r>
-              <a:rPr lang="en-US" err="1"/>
-              <a:t>npr</a:t>
-            </a:r>
-            <a:r>
-              <a:rPr lang="en-US" dirty="0"/>
-              <a:t>. 5).</a:t>
-            </a:r>
-          </a:p>
-          <a:p>
-            <a:pPr marL="493395" lvl="1"/>
-            <a:r>
               <a:rPr lang="en-US" b="1" dirty="0" err="1">
                 <a:latin typeface="Consolas"/>
               </a:rPr>
+              <a:t>coreThreadPoolSize</a:t>
+            </a:r>
+            <a:r>
+              <a:rPr lang="en-US" dirty="0"/>
+              <a:t>: </a:t>
+            </a:r>
+            <a:r>
+              <a:rPr lang="en-US" dirty="0" err="1"/>
+              <a:t>Broj</a:t>
+            </a:r>
+            <a:r>
+              <a:rPr lang="en-US" dirty="0"/>
+              <a:t> </a:t>
+            </a:r>
+            <a:r>
+              <a:rPr lang="en-US" dirty="0" err="1"/>
+              <a:t>niti</a:t>
+            </a:r>
+            <a:r>
+              <a:rPr lang="en-US" dirty="0"/>
+              <a:t> koji </a:t>
+            </a:r>
+            <a:r>
+              <a:rPr lang="en-US" dirty="0" err="1"/>
+              <a:t>uvek</a:t>
+            </a:r>
+            <a:r>
+              <a:rPr lang="en-US" dirty="0"/>
+              <a:t> </a:t>
+            </a:r>
+            <a:r>
+              <a:rPr lang="en-US" dirty="0" err="1"/>
+              <a:t>ostaje</a:t>
+            </a:r>
+            <a:r>
+              <a:rPr lang="en-US" dirty="0"/>
+              <a:t> </a:t>
+            </a:r>
+            <a:r>
+              <a:rPr lang="en-US" dirty="0" err="1"/>
+              <a:t>aktivan</a:t>
+            </a:r>
+            <a:r>
+              <a:rPr lang="en-US" dirty="0"/>
+              <a:t> u </a:t>
+            </a:r>
+            <a:r>
+              <a:rPr lang="en-US" dirty="0" err="1"/>
+              <a:t>memoriji</a:t>
+            </a:r>
+            <a:r>
+              <a:rPr lang="en-US" dirty="0"/>
+              <a:t>, </a:t>
+            </a:r>
+            <a:r>
+              <a:rPr lang="en-US" dirty="0" err="1"/>
+              <a:t>čak</a:t>
+            </a:r>
+            <a:r>
+              <a:rPr lang="en-US" dirty="0"/>
+              <a:t> </a:t>
+            </a:r>
+            <a:r>
+              <a:rPr lang="en-US" dirty="0" err="1"/>
+              <a:t>i</a:t>
+            </a:r>
+            <a:r>
+              <a:rPr lang="en-US" dirty="0"/>
+              <a:t> </a:t>
+            </a:r>
+            <a:r>
+              <a:rPr lang="en-US" dirty="0" err="1"/>
+              <a:t>ako</a:t>
+            </a:r>
+            <a:r>
+              <a:rPr lang="en-US" dirty="0"/>
+              <a:t> </a:t>
+            </a:r>
+            <a:r>
+              <a:rPr lang="en-US" dirty="0" err="1"/>
+              <a:t>nema</a:t>
+            </a:r>
+            <a:r>
+              <a:rPr lang="en-US" dirty="0"/>
+              <a:t> </a:t>
+            </a:r>
+            <a:r>
+              <a:rPr lang="en-US" dirty="0" err="1"/>
+              <a:t>posla</a:t>
+            </a:r>
+            <a:r>
+              <a:rPr lang="en-US" dirty="0"/>
+              <a:t> (</a:t>
+            </a:r>
+            <a:r>
+              <a:rPr lang="en-US" dirty="0" err="1"/>
+              <a:t>npr</a:t>
+            </a:r>
+            <a:r>
+              <a:rPr lang="en-US" dirty="0"/>
+              <a:t>. 5).</a:t>
+            </a:r>
+          </a:p>
+          <a:p>
+            <a:pPr marL="493395" lvl="1"/>
+            <a:r>
+              <a:rPr lang="en-US" b="1" dirty="0" err="1">
+                <a:latin typeface="Consolas"/>
+              </a:rPr>
               <a:t>queueCapacity</a:t>
             </a:r>
             <a:r>
@@ -5432,7 +5439,7 @@
           <a:p>
             <a:pPr marL="493395" lvl="1"/>
             <a:r>
-              <a:rPr lang="en-US" b="1" err="1">
+              <a:rPr lang="en-US" b="1" dirty="0" err="1">
                 <a:latin typeface="Consolas"/>
               </a:rPr>
               <a:t>keepAliveDuration</a:t>
@@ -5442,7 +5449,7 @@
               <a:t>: Vreme </a:t>
             </a:r>
             <a:r>
-              <a:rPr lang="en-US" err="1"/>
+              <a:rPr lang="en-US" dirty="0" err="1"/>
               <a:t>koje</a:t>
             </a:r>
             <a:r>
@@ -5450,7 +5457,7 @@
               <a:t> </a:t>
             </a:r>
             <a:r>
-              <a:rPr lang="en-US" err="1"/>
+              <a:rPr lang="en-US" dirty="0" err="1"/>
               <a:t>dodatne</a:t>
             </a:r>
             <a:r>
@@ -5458,7 +5465,7 @@
               <a:t> </a:t>
             </a:r>
             <a:r>
-              <a:rPr lang="en-US" err="1"/>
+              <a:rPr lang="en-US" dirty="0" err="1"/>
               <a:t>niti</a:t>
             </a:r>
             <a:r>
@@ -5466,7 +5473,7 @@
               <a:t> (one </a:t>
             </a:r>
             <a:r>
-              <a:rPr lang="en-US" err="1"/>
+              <a:rPr lang="en-US" dirty="0" err="1"/>
               <a:t>iznad</a:t>
             </a:r>
             <a:r>
@@ -5482,7 +5489,7 @@
               <a:t> </a:t>
             </a:r>
             <a:r>
-              <a:rPr lang="en-US" err="1"/>
+              <a:rPr lang="en-US" dirty="0" err="1"/>
               <a:t>veličine</a:t>
             </a:r>
             <a:r>
@@ -5490,7 +5497,7 @@
               <a:t>) </a:t>
             </a:r>
             <a:r>
-              <a:rPr lang="en-US" err="1"/>
+              <a:rPr lang="en-US" dirty="0" err="1"/>
               <a:t>ostaju</a:t>
             </a:r>
             <a:r>
@@ -5498,7 +5505,7 @@
               <a:t> </a:t>
             </a:r>
             <a:r>
-              <a:rPr lang="en-US" err="1"/>
+              <a:rPr lang="en-US" dirty="0" err="1"/>
               <a:t>aktivne</a:t>
             </a:r>
             <a:r>
@@ -5506,7 +5513,7 @@
               <a:t> </a:t>
             </a:r>
             <a:r>
-              <a:rPr lang="en-US" err="1"/>
+              <a:rPr lang="en-US" dirty="0" err="1"/>
               <a:t>dok</a:t>
             </a:r>
             <a:r>
@@ -5514,7 +5521,7 @@
               <a:t> </a:t>
             </a:r>
             <a:r>
-              <a:rPr lang="en-US" err="1"/>
+              <a:rPr lang="en-US" dirty="0" err="1"/>
               <a:t>čekaju</a:t>
             </a:r>
             <a:r>
@@ -5522,7 +5529,7 @@
               <a:t> novi </a:t>
             </a:r>
             <a:r>
-              <a:rPr lang="en-US" err="1"/>
+              <a:rPr lang="en-US" dirty="0" err="1"/>
               <a:t>posao</a:t>
             </a:r>
             <a:r>
@@ -5530,7 +5537,7 @@
               <a:t> pre </a:t>
             </a:r>
             <a:r>
-              <a:rPr lang="en-US" err="1"/>
+              <a:rPr lang="en-US" dirty="0" err="1"/>
               <a:t>nego</a:t>
             </a:r>
             <a:r>
@@ -5538,7 +5545,7 @@
               <a:t> </a:t>
             </a:r>
             <a:r>
-              <a:rPr lang="en-US" err="1"/>
+              <a:rPr lang="en-US" dirty="0" err="1"/>
               <a:t>što</a:t>
             </a:r>
             <a:r>
@@ -5546,7 +5553,7 @@
               <a:t> </a:t>
             </a:r>
             <a:r>
-              <a:rPr lang="en-US" err="1"/>
+              <a:rPr lang="en-US" dirty="0" err="1"/>
               <a:t>budu</a:t>
             </a:r>
             <a:r>
@@ -5554,7 +5561,7 @@
               <a:t> </a:t>
             </a:r>
             <a:r>
-              <a:rPr lang="en-US" err="1"/>
+              <a:rPr lang="en-US" dirty="0" err="1"/>
               <a:t>ugašene</a:t>
             </a:r>
             <a:r>
@@ -5586,7 +5593,8 @@
           <a:lstStyle/>
           <a:p>
             <a:fld id="{C274AB63-D4DA-4794-B41F-F25D3E5CF994}" type="datetime1">
-              <a:t>1/25/2026</a:t>
+              <a:rPr lang="sr-Latn-RS"/>
+              <a:t>26.1.2026.</a:t>
             </a:fld>
             <a:endParaRPr lang="en-US" dirty="0"/>
           </a:p>
@@ -5956,7 +5964,8 @@
           <a:lstStyle/>
           <a:p>
             <a:fld id="{18EBCC80-2A0D-4A4F-8A6B-84D7E93C871C}" type="datetime1">
-              <a:t>1/25/2026</a:t>
+              <a:rPr lang="sr-Latn-RS"/>
+              <a:t>26.1.2026.</a:t>
             </a:fld>
             <a:endParaRPr lang="en-US" dirty="0"/>
           </a:p>
@@ -6557,7 +6566,8 @@
           <a:lstStyle/>
           <a:p>
             <a:fld id="{43B5C147-8E49-4877-A321-84D84C318709}" type="datetime1">
-              <a:t>1/25/2026</a:t>
+              <a:rPr lang="sr-Latn-RS"/>
+              <a:t>26.1.2026.</a:t>
             </a:fld>
             <a:endParaRPr lang="en-US" dirty="0"/>
           </a:p>
@@ -7230,7 +7240,8 @@
           <a:lstStyle/>
           <a:p>
             <a:fld id="{DE1E5132-546B-4A82-8568-2BAF1F123203}" type="datetime1">
-              <a:t>1/25/2026</a:t>
+              <a:rPr lang="sr-Latn-RS"/>
+              <a:t>26.1.2026.</a:t>
             </a:fld>
             <a:endParaRPr lang="en-US" dirty="0"/>
           </a:p>
@@ -7858,7 +7869,8 @@
           <a:lstStyle/>
           <a:p>
             <a:fld id="{25BFD3BB-4031-4982-9F9B-2803A1B77BEF}" type="datetime1">
-              <a:t>1/25/2026</a:t>
+              <a:rPr lang="sr-Latn-RS"/>
+              <a:t>26.1.2026.</a:t>
             </a:fld>
             <a:endParaRPr lang="en-US" dirty="0"/>
           </a:p>
@@ -8183,7 +8195,8 @@
           <a:lstStyle/>
           <a:p>
             <a:fld id="{65FD97E4-379F-4FEB-823F-92E0DBBDA487}" type="datetime1">
-              <a:t>1/25/2026</a:t>
+              <a:rPr lang="sr-Latn-RS"/>
+              <a:t>26.1.2026.</a:t>
             </a:fld>
             <a:endParaRPr lang="en-US" dirty="0"/>
           </a:p>
@@ -8697,7 +8710,8 @@
           <a:lstStyle/>
           <a:p>
             <a:fld id="{638A7FC1-C15F-4641-A30F-4E75B0C87B34}" type="datetime1">
-              <a:t>1/25/2026</a:t>
+              <a:rPr lang="sr-Latn-RS"/>
+              <a:t>26.1.2026.</a:t>
             </a:fld>
             <a:endParaRPr lang="en-US" dirty="0"/>
           </a:p>
@@ -9429,7 +9443,8 @@
           <a:lstStyle/>
           <a:p>
             <a:fld id="{D2504412-DBD7-4311-96C4-1807071F6BD1}" type="datetime1">
-              <a:t>1/25/2026</a:t>
+              <a:rPr lang="sr-Latn-RS"/>
+              <a:t>26.1.2026.</a:t>
             </a:fld>
             <a:endParaRPr lang="en-US" dirty="0"/>
           </a:p>
@@ -10099,7 +10114,7 @@
                 <a:ea typeface="+mn-lt"/>
                 <a:cs typeface="+mn-lt"/>
               </a:rPr>
-              <a:t> </a:t>
+              <a:t>, </a:t>
             </a:r>
             <a:r>
               <a:rPr lang="en-US" dirty="0" err="1">
@@ -10451,7 +10466,8 @@
           <a:lstStyle/>
           <a:p>
             <a:fld id="{FF02BF13-4149-43B0-B69B-8BB54AC8C8D6}" type="datetime1">
-              <a:t>1/25/2026</a:t>
+              <a:rPr lang="sr-Latn-RS"/>
+              <a:t>26.1.2026.</a:t>
             </a:fld>
             <a:endParaRPr lang="en-US" dirty="0"/>
           </a:p>
@@ -11208,7 +11224,8 @@
           <a:lstStyle/>
           <a:p>
             <a:fld id="{EAD8CFA1-573D-4927-BA23-6064EF414F20}" type="datetime1">
-              <a:t>1/25/2026</a:t>
+              <a:rPr lang="sr-Latn-RS"/>
+              <a:t>26.1.2026.</a:t>
             </a:fld>
             <a:endParaRPr lang="en-US" dirty="0"/>
           </a:p>
@@ -11877,7 +11894,8 @@
           <a:lstStyle/>
           <a:p>
             <a:fld id="{0135E92C-F72B-4E10-B392-DC5336AE9FC9}" type="datetime1">
-              <a:t>1/25/2026</a:t>
+              <a:rPr lang="sr-Latn-RS"/>
+              <a:t>26.1.2026.</a:t>
             </a:fld>
             <a:endParaRPr lang="en-US" dirty="0"/>
           </a:p>
@@ -12224,7 +12242,8 @@
           <a:lstStyle/>
           <a:p>
             <a:fld id="{81410876-7BAB-40EA-A56A-B5A543311735}" type="datetime1">
-              <a:t>1/25/2026</a:t>
+              <a:rPr lang="sr-Latn-RS"/>
+              <a:t>26.1.2026.</a:t>
             </a:fld>
             <a:endParaRPr lang="en-US" dirty="0"/>
           </a:p>
@@ -12537,7 +12556,8 @@
           <a:lstStyle/>
           <a:p>
             <a:fld id="{8781C860-DAA5-4209-B353-3AE7C4B557D9}" type="datetime1">
-              <a:t>1/25/2026</a:t>
+              <a:rPr lang="sr-Latn-RS"/>
+              <a:t>26.1.2026.</a:t>
             </a:fld>
             <a:endParaRPr lang="en-US" dirty="0"/>
           </a:p>
@@ -12943,7 +12963,8 @@
           <a:lstStyle/>
           <a:p>
             <a:fld id="{2BB047C5-BA4E-48DF-8B0C-DDC643808D5A}" type="datetime1">
-              <a:t>1/25/2026</a:t>
+              <a:rPr lang="sr-Latn-RS"/>
+              <a:t>26.1.2026.</a:t>
             </a:fld>
             <a:endParaRPr lang="en-US" dirty="0"/>
           </a:p>
@@ -13694,7 +13715,8 @@
           <a:lstStyle/>
           <a:p>
             <a:fld id="{F900F74B-43AB-4BFE-BBB6-13FAF1D17F88}" type="datetime1">
-              <a:t>1/25/2026</a:t>
+              <a:rPr lang="sr-Latn-RS"/>
+              <a:t>26.1.2026.</a:t>
             </a:fld>
             <a:endParaRPr lang="en-US" dirty="0"/>
           </a:p>
@@ -14024,7 +14046,8 @@
           <a:lstStyle/>
           <a:p>
             <a:fld id="{0BCFC951-3824-4F7E-8029-8AFB36C7F22D}" type="datetime1">
-              <a:t>1/25/2026</a:t>
+              <a:rPr lang="sr-Latn-RS"/>
+              <a:t>26.1.2026.</a:t>
             </a:fld>
             <a:endParaRPr lang="en-US" dirty="0"/>
           </a:p>
@@ -14311,7 +14334,8 @@
           <a:lstStyle/>
           <a:p>
             <a:fld id="{36DF8D2A-B7A0-4395-AB50-2D6A51146404}" type="datetime1">
-              <a:t>1/25/2026</a:t>
+              <a:rPr lang="sr-Latn-RS"/>
+              <a:t>26.1.2026.</a:t>
             </a:fld>
             <a:endParaRPr lang="en-US" dirty="0"/>
           </a:p>
@@ -14489,7 +14513,8 @@
           <a:lstStyle/>
           <a:p>
             <a:fld id="{B90CECDC-F6E7-485F-84D5-F48C9B1B44A4}" type="datetime1">
-              <a:t>1/25/2026</a:t>
+              <a:rPr lang="sr-Latn-RS"/>
+              <a:t>26.1.2026.</a:t>
             </a:fld>
             <a:endParaRPr lang="en-US" dirty="0"/>
           </a:p>
@@ -14825,24 +14850,10 @@
                 <a:ea typeface="+mn-lt"/>
                 <a:cs typeface="+mn-lt"/>
               </a:rPr>
-              <a:t> </a:t>
-            </a:r>
-            <a:r>
-              <a:rPr lang="en-US" err="1">
-                <a:ea typeface="+mn-lt"/>
-                <a:cs typeface="+mn-lt"/>
-              </a:rPr>
-              <a:t>Zaustavlja</a:t>
-            </a:r>
-            <a:r>
-              <a:rPr lang="en-US" dirty="0">
-                <a:ea typeface="+mn-lt"/>
-                <a:cs typeface="+mn-lt"/>
-              </a:rPr>
-              <a:t> </a:t>
-            </a:r>
-            <a:r>
-              <a:rPr lang="en-US" err="1">
+              <a:t> Zaustavlja </a:t>
+            </a:r>
+            <a:r>
+              <a:rPr lang="en-US" dirty="0" err="1">
                 <a:ea typeface="+mn-lt"/>
                 <a:cs typeface="+mn-lt"/>
               </a:rPr>
@@ -14856,7 +14867,7 @@
               <a:t> ka </a:t>
             </a:r>
             <a:r>
-              <a:rPr lang="en-US" err="1">
+              <a:rPr lang="en-US" dirty="0" err="1">
                 <a:ea typeface="+mn-lt"/>
                 <a:cs typeface="+mn-lt"/>
               </a:rPr>
@@ -14870,13 +14881,13 @@
               <a:t> koji je u </a:t>
             </a:r>
             <a:r>
-              <a:rPr lang="en-US" err="1">
+              <a:rPr lang="en-US" dirty="0" err="1">
                 <a:ea typeface="+mn-lt"/>
                 <a:cs typeface="+mn-lt"/>
               </a:rPr>
               <a:t>kvaru</a:t>
             </a:r>
-            <a:endParaRPr lang="en-US" dirty="0" err="1"/>
+            <a:endParaRPr lang="en-US" dirty="0"/>
           </a:p>
           <a:p>
             <a:pPr marL="493395" lvl="1">
@@ -14898,7 +14909,7 @@
               <a:t> </a:t>
             </a:r>
             <a:r>
-              <a:rPr lang="en-US" err="1">
+              <a:rPr lang="en-US" dirty="0" err="1">
                 <a:ea typeface="+mn-lt"/>
                 <a:cs typeface="+mn-lt"/>
               </a:rPr>
@@ -14912,7 +14923,7 @@
               <a:t> </a:t>
             </a:r>
             <a:r>
-              <a:rPr lang="en-US" err="1">
+              <a:rPr lang="en-US" dirty="0" err="1">
                 <a:ea typeface="+mn-lt"/>
                 <a:cs typeface="+mn-lt"/>
               </a:rPr>
@@ -14926,7 +14937,7 @@
               <a:t> </a:t>
             </a:r>
             <a:r>
-              <a:rPr lang="en-US" err="1">
+              <a:rPr lang="en-US" dirty="0" err="1">
                 <a:ea typeface="+mn-lt"/>
                 <a:cs typeface="+mn-lt"/>
               </a:rPr>
@@ -14940,20 +14951,13 @@
               <a:t> </a:t>
             </a:r>
             <a:r>
-              <a:rPr lang="en-US" err="1">
+              <a:rPr lang="en-US" dirty="0" err="1">
                 <a:ea typeface="+mn-lt"/>
                 <a:cs typeface="+mn-lt"/>
               </a:rPr>
               <a:t>pokušaje</a:t>
             </a:r>
-            <a:r>
-              <a:rPr lang="en-US" dirty="0">
-                <a:ea typeface="+mn-lt"/>
-                <a:cs typeface="+mn-lt"/>
-              </a:rPr>
-              <a:t>.</a:t>
-            </a:r>
-            <a:endParaRPr lang="en-US"/>
+            <a:endParaRPr lang="en-US" dirty="0"/>
           </a:p>
           <a:p>
             <a:pPr marL="493395" lvl="1">
@@ -15113,13 +15117,6 @@
                 <a:cs typeface="+mn-lt"/>
               </a:rPr>
               <a:t>servise</a:t>
-            </a:r>
-            <a:r>
-              <a:rPr lang="en-US" dirty="0">
-                <a:ea typeface="+mn-lt"/>
-                <a:cs typeface="+mn-lt"/>
-              </a:rPr>
-              <a:t>.</a:t>
             </a:r>
             <a:endParaRPr lang="en-US" dirty="0"/>
           </a:p>
@@ -15150,7 +15147,8 @@
           <a:lstStyle/>
           <a:p>
             <a:fld id="{D0DAEE64-52A5-45CF-8F9F-98C211555A6B}" type="datetime1">
-              <a:t>1/25/2026</a:t>
+              <a:rPr lang="sr-Latn-RS"/>
+              <a:t>26.1.2026.</a:t>
             </a:fld>
             <a:endParaRPr lang="en-US" dirty="0"/>
           </a:p>
@@ -16411,7 +16409,8 @@
           <a:lstStyle/>
           <a:p>
             <a:fld id="{61720478-6B30-47AE-AED5-775BD85F2849}" type="datetime1">
-              <a:t>1/25/2026</a:t>
+              <a:rPr lang="sr-Latn-RS"/>
+              <a:t>26.1.2026.</a:t>
             </a:fld>
             <a:endParaRPr lang="en-US" dirty="0"/>
           </a:p>
@@ -17316,7 +17315,8 @@
           <a:lstStyle/>
           <a:p>
             <a:fld id="{793AF8EA-A832-4D81-8D8F-DF8687BBB151}" type="datetime1">
-              <a:t>1/25/2026</a:t>
+              <a:rPr lang="sr-Latn-RS"/>
+              <a:t>26.1.2026.</a:t>
             </a:fld>
             <a:endParaRPr lang="en-US" dirty="0"/>
           </a:p>
@@ -17412,31 +17412,6 @@
       </p:grpSpPr>
       <p:sp>
         <p:nvSpPr>
-          <p:cNvPr id="2" name="Title 1">
-            <a:extLst>
-              <a:ext uri="{FF2B5EF4-FFF2-40B4-BE49-F238E27FC236}">
-                <a16:creationId xmlns:a16="http://schemas.microsoft.com/office/drawing/2014/main" id="{E3B6E25E-1619-4993-1379-D45980D36709}"/>
-              </a:ext>
-            </a:extLst>
-          </p:cNvPr>
-          <p:cNvSpPr>
-            <a:spLocks noGrp="1"/>
-          </p:cNvSpPr>
-          <p:nvPr>
-            <p:ph type="title"/>
-          </p:nvPr>
-        </p:nvSpPr>
-        <p:spPr/>
-        <p:txBody>
-          <a:bodyPr/>
-          <a:lstStyle/>
-          <a:p>
-            <a:endParaRPr lang="en-US"/>
-          </a:p>
-        </p:txBody>
-      </p:sp>
-      <p:sp>
-        <p:nvSpPr>
           <p:cNvPr id="4" name="Date Placeholder 3">
             <a:extLst>
               <a:ext uri="{FF2B5EF4-FFF2-40B4-BE49-F238E27FC236}">
@@ -17457,7 +17432,8 @@
           <a:lstStyle/>
           <a:p>
             <a:fld id="{090120CB-56A2-420E-B3F1-4844EDDA7D0A}" type="datetime1">
-              <a:t>1/25/2026</a:t>
+              <a:rPr lang="sr-Latn-RS"/>
+              <a:t>26.1.2026.</a:t>
             </a:fld>
             <a:endParaRPr lang="en-US" dirty="0"/>
           </a:p>
@@ -17845,7 +17821,7 @@
                 <a:ea typeface="+mn-lt"/>
                 <a:cs typeface="+mn-lt"/>
               </a:rPr>
-              <a:t> fallback) bez da </a:t>
+              <a:t> fallback), bez da </a:t>
             </a:r>
             <a:r>
               <a:rPr lang="en-US" dirty="0" err="1">
@@ -18230,7 +18206,8 @@
           <a:lstStyle/>
           <a:p>
             <a:fld id="{2DACA645-89A9-4B00-8182-0B6610DBED68}" type="datetime1">
-              <a:t>1/25/2026</a:t>
+              <a:rPr lang="sr-Latn-RS"/>
+              <a:t>26.1.2026.</a:t>
             </a:fld>
             <a:endParaRPr lang="en-US" dirty="0"/>
           </a:p>
@@ -18774,7 +18751,8 @@
           <a:lstStyle/>
           <a:p>
             <a:fld id="{8D52B578-8B67-47B4-A763-EB526C185522}" type="datetime1">
-              <a:t>1/25/2026</a:t>
+              <a:rPr lang="sr-Latn-RS"/>
+              <a:t>26.1.2026.</a:t>
             </a:fld>
             <a:endParaRPr lang="en-US" dirty="0"/>
           </a:p>
@@ -18929,7 +18907,12 @@
             <p:ph idx="1"/>
           </p:nvPr>
         </p:nvSpPr>
-        <p:spPr/>
+        <p:spPr>
+          <a:xfrm>
+            <a:off x="914399" y="2559171"/>
+            <a:ext cx="10616610" cy="3382658"/>
+          </a:xfrm>
+        </p:spPr>
         <p:txBody>
           <a:bodyPr vert="horz" lIns="91440" tIns="45720" rIns="91440" bIns="45720" rtlCol="0" anchor="t">
             <a:normAutofit fontScale="85000" lnSpcReduction="20000"/>
@@ -18937,7 +18920,7 @@
           <a:lstStyle/>
           <a:p>
             <a:r>
-              <a:rPr lang="en-US" b="1" err="1">
+              <a:rPr lang="en-US" b="1" dirty="0" err="1">
                 <a:latin typeface="Consolas"/>
               </a:rPr>
               <a:t>failureRateThreshold</a:t>
@@ -18947,7 +18930,7 @@
               <a:t>: </a:t>
             </a:r>
             <a:r>
-              <a:rPr lang="en-US" err="1"/>
+              <a:rPr lang="en-US" dirty="0" err="1"/>
               <a:t>Procenat</a:t>
             </a:r>
             <a:r>
@@ -18955,7 +18938,7 @@
               <a:t> </a:t>
             </a:r>
             <a:r>
-              <a:rPr lang="en-US" err="1"/>
+              <a:rPr lang="en-US" dirty="0" err="1"/>
               <a:t>grešaka</a:t>
             </a:r>
             <a:r>
@@ -18963,7 +18946,7 @@
               <a:t> (</a:t>
             </a:r>
             <a:r>
-              <a:rPr lang="en-US" err="1"/>
+              <a:rPr lang="en-US" dirty="0" err="1"/>
               <a:t>npr</a:t>
             </a:r>
             <a:r>
@@ -18971,7 +18954,7 @@
               <a:t>. 50%). Ako </a:t>
             </a:r>
             <a:r>
-              <a:rPr lang="en-US" err="1"/>
+              <a:rPr lang="en-US" dirty="0" err="1"/>
               <a:t>više</a:t>
             </a:r>
             <a:r>
@@ -18979,7 +18962,7 @@
               <a:t> od </a:t>
             </a:r>
             <a:r>
-              <a:rPr lang="en-US" err="1"/>
+              <a:rPr lang="en-US" dirty="0" err="1"/>
               <a:t>pola</a:t>
             </a:r>
             <a:r>
@@ -18987,7 +18970,7 @@
               <a:t> </a:t>
             </a:r>
             <a:r>
-              <a:rPr lang="en-US" err="1"/>
+              <a:rPr lang="en-US" dirty="0" err="1"/>
               <a:t>poziva</a:t>
             </a:r>
             <a:r>
@@ -18995,7 +18978,7 @@
               <a:t> u </a:t>
             </a:r>
             <a:r>
-              <a:rPr lang="en-US" err="1"/>
+              <a:rPr lang="en-US" dirty="0" err="1"/>
               <a:t>prozoru</a:t>
             </a:r>
             <a:r>
@@ -19003,7 +18986,7 @@
               <a:t> ne </a:t>
             </a:r>
             <a:r>
-              <a:rPr lang="en-US" err="1"/>
+              <a:rPr lang="en-US" dirty="0" err="1"/>
               <a:t>uspe</a:t>
             </a:r>
             <a:r>
@@ -19011,7 +18994,7 @@
               <a:t>, </a:t>
             </a:r>
             <a:r>
-              <a:rPr lang="en-US" err="1"/>
+              <a:rPr lang="en-US" dirty="0" err="1"/>
               <a:t>prekidač</a:t>
             </a:r>
             <a:r>
@@ -19019,7 +19002,7 @@
               <a:t> se </a:t>
             </a:r>
             <a:r>
-              <a:rPr lang="en-US" err="1"/>
+              <a:rPr lang="en-US" dirty="0" err="1"/>
               <a:t>otvara</a:t>
             </a:r>
             <a:r>
@@ -19029,7 +19012,7 @@
           </a:p>
           <a:p>
             <a:r>
-              <a:rPr lang="en-US" b="1" err="1">
+              <a:rPr lang="en-US" b="1" dirty="0" err="1">
                 <a:latin typeface="Consolas"/>
               </a:rPr>
               <a:t>slidingWindowSize</a:t>
@@ -19039,7 +19022,7 @@
               <a:t>: </a:t>
             </a:r>
             <a:r>
-              <a:rPr lang="en-US" err="1"/>
+              <a:rPr lang="en-US" dirty="0" err="1"/>
               <a:t>Veličina</a:t>
             </a:r>
             <a:r>
@@ -19047,7 +19030,7 @@
               <a:t> </a:t>
             </a:r>
             <a:r>
-              <a:rPr lang="en-US" err="1"/>
+              <a:rPr lang="en-US" dirty="0" err="1"/>
               <a:t>uzorka</a:t>
             </a:r>
             <a:r>
@@ -19055,7 +19038,7 @@
               <a:t> (npr.10 </a:t>
             </a:r>
             <a:r>
-              <a:rPr lang="en-US" err="1"/>
+              <a:rPr lang="en-US" dirty="0" err="1"/>
               <a:t>poziva</a:t>
             </a:r>
             <a:r>
@@ -19063,7 +19046,7 @@
               <a:t>). </a:t>
             </a:r>
             <a:r>
-              <a:rPr lang="en-US" err="1"/>
+              <a:rPr lang="en-US" dirty="0" err="1"/>
               <a:t>Premali</a:t>
             </a:r>
             <a:r>
@@ -19071,7 +19054,7 @@
               <a:t> </a:t>
             </a:r>
             <a:r>
-              <a:rPr lang="en-US" err="1"/>
+              <a:rPr lang="en-US" dirty="0" err="1"/>
               <a:t>uzorak</a:t>
             </a:r>
             <a:r>
@@ -19079,7 +19062,7 @@
               <a:t> </a:t>
             </a:r>
             <a:r>
-              <a:rPr lang="en-US" err="1"/>
+              <a:rPr lang="en-US" dirty="0" err="1"/>
               <a:t>izaziva</a:t>
             </a:r>
             <a:r>
@@ -19087,7 +19070,7 @@
               <a:t> "</a:t>
             </a:r>
             <a:r>
-              <a:rPr lang="en-US" err="1"/>
+              <a:rPr lang="en-US" dirty="0" err="1"/>
               <a:t>nervozan</a:t>
             </a:r>
             <a:r>
@@ -19095,7 +19078,7 @@
               <a:t>" </a:t>
             </a:r>
             <a:r>
-              <a:rPr lang="en-US" err="1"/>
+              <a:rPr lang="en-US" dirty="0" err="1"/>
               <a:t>prekidač</a:t>
             </a:r>
             <a:r>
@@ -19103,7 +19086,7 @@
               <a:t>, </a:t>
             </a:r>
             <a:r>
-              <a:rPr lang="en-US" err="1"/>
+              <a:rPr lang="en-US" dirty="0" err="1"/>
               <a:t>preveliki</a:t>
             </a:r>
             <a:r>
@@ -19111,7 +19094,7 @@
               <a:t> </a:t>
             </a:r>
             <a:r>
-              <a:rPr lang="en-US" err="1"/>
+              <a:rPr lang="en-US" dirty="0" err="1"/>
               <a:t>uzorak</a:t>
             </a:r>
             <a:r>
@@ -19119,7 +19102,7 @@
               <a:t> </a:t>
             </a:r>
             <a:r>
-              <a:rPr lang="en-US" err="1"/>
+              <a:rPr lang="en-US" dirty="0" err="1"/>
               <a:t>sporo</a:t>
             </a:r>
             <a:r>
@@ -19127,7 +19110,7 @@
               <a:t> </a:t>
             </a:r>
             <a:r>
-              <a:rPr lang="en-US" err="1"/>
+              <a:rPr lang="en-US" dirty="0" err="1"/>
               <a:t>reaguje</a:t>
             </a:r>
             <a:r>
@@ -19137,7 +19120,7 @@
           </a:p>
           <a:p>
             <a:r>
-              <a:rPr lang="en-US" b="1" err="1">
+              <a:rPr lang="en-US" b="1" dirty="0" err="1">
                 <a:latin typeface="Consolas"/>
               </a:rPr>
               <a:t>waitDurationInOpenState</a:t>
@@ -19147,7 +19130,7 @@
               <a:t>: Koliko </a:t>
             </a:r>
             <a:r>
-              <a:rPr lang="en-US" err="1"/>
+              <a:rPr lang="en-US" dirty="0" err="1"/>
               <a:t>dugo</a:t>
             </a:r>
             <a:r>
@@ -19155,7 +19138,7 @@
               <a:t> </a:t>
             </a:r>
             <a:r>
-              <a:rPr lang="en-US" err="1"/>
+              <a:rPr lang="en-US" dirty="0" err="1"/>
               <a:t>prekidač</a:t>
             </a:r>
             <a:r>
@@ -19163,7 +19146,7 @@
               <a:t> </a:t>
             </a:r>
             <a:r>
-              <a:rPr lang="en-US" err="1"/>
+              <a:rPr lang="en-US" dirty="0" err="1"/>
               <a:t>ostaje</a:t>
             </a:r>
             <a:r>
@@ -19172,14 +19155,14 @@
             </a:r>
             <a:r>
               <a:rPr lang="en-US" b="1" dirty="0"/>
-              <a:t>OPEN</a:t>
+              <a:t>OPEN,</a:t>
             </a:r>
             <a:r>
               <a:rPr lang="en-US" dirty="0"/>
               <a:t> pre </a:t>
             </a:r>
             <a:r>
-              <a:rPr lang="en-US" err="1"/>
+              <a:rPr lang="en-US" dirty="0" err="1"/>
               <a:t>nego</a:t>
             </a:r>
             <a:r>
@@ -19187,7 +19170,7 @@
               <a:t> </a:t>
             </a:r>
             <a:r>
-              <a:rPr lang="en-US" err="1"/>
+              <a:rPr lang="en-US" dirty="0" err="1"/>
               <a:t>što</a:t>
             </a:r>
             <a:r>
@@ -19195,7 +19178,7 @@
               <a:t> </a:t>
             </a:r>
             <a:r>
-              <a:rPr lang="en-US" err="1"/>
+              <a:rPr lang="en-US" dirty="0" err="1"/>
               <a:t>pređe</a:t>
             </a:r>
             <a:r>
@@ -19211,7 +19194,7 @@
               <a:t> (</a:t>
             </a:r>
             <a:r>
-              <a:rPr lang="en-US" err="1"/>
+              <a:rPr lang="en-US" dirty="0" err="1"/>
               <a:t>vreme</a:t>
             </a:r>
             <a:r>
@@ -19219,7 +19202,7 @@
               <a:t> </a:t>
             </a:r>
             <a:r>
-              <a:rPr lang="en-US" err="1"/>
+              <a:rPr lang="en-US" dirty="0" err="1"/>
               <a:t>hlađenja</a:t>
             </a:r>
             <a:r>
@@ -19318,7 +19301,15 @@
                 <a:ea typeface="+mn-lt"/>
                 <a:cs typeface="+mn-lt"/>
               </a:rPr>
-              <a:t> </a:t>
+              <a:t> </a:t>
+            </a:r>
+            <a:r>
+              <a:rPr lang="en-US" dirty="0" err="1">
+                <a:latin typeface="Consolas"/>
+                <a:ea typeface="+mn-lt"/>
+                <a:cs typeface="+mn-lt"/>
+              </a:rPr>
+              <a:t>O</a:t>
             </a:r>
             <a:r>
               <a:rPr lang="en-US" dirty="0" err="1">
@@ -19326,7 +19317,7 @@
                 <a:ea typeface="+mn-lt"/>
                 <a:cs typeface="+mn-lt"/>
               </a:rPr>
-              <a:t>određuje</a:t>
+              <a:t>dređuje</a:t>
             </a:r>
             <a:r>
               <a:rPr lang="en-US" dirty="0">
@@ -19458,7 +19449,8 @@
           <a:lstStyle/>
           <a:p>
             <a:fld id="{E614A067-6559-41F4-A9D8-FE87A2DB1968}" type="datetime1">
-              <a:t>1/25/2026</a:t>
+              <a:rPr lang="sr-Latn-RS"/>
+              <a:t>26.1.2026.</a:t>
             </a:fld>
             <a:endParaRPr lang="en-US" dirty="0"/>
           </a:p>
@@ -20041,7 +20033,8 @@
           <a:lstStyle/>
           <a:p>
             <a:fld id="{7E17C32C-EA2E-44C6-9DE1-AB6D875221EB}" type="datetime1">
-              <a:t>1/25/2026</a:t>
+              <a:rPr lang="sr-Latn-RS"/>
+              <a:t>26.1.2026.</a:t>
             </a:fld>
             <a:endParaRPr lang="en-US" dirty="0"/>
           </a:p>
@@ -20299,7 +20292,7 @@
                 <a:ea typeface="+mn-lt"/>
                 <a:cs typeface="+mn-lt"/>
               </a:rPr>
-              <a:t>, on ne tone </a:t>
+              <a:t>, on ne tone, </a:t>
             </a:r>
             <a:r>
               <a:rPr lang="en-US" dirty="0" err="1">
@@ -20481,7 +20474,7 @@
                 <a:ea typeface="+mn-lt"/>
                 <a:cs typeface="+mn-lt"/>
               </a:rPr>
-              <a:t> </a:t>
+              <a:t>, </a:t>
             </a:r>
             <a:r>
               <a:rPr lang="en-US" dirty="0" err="1">
@@ -20609,7 +20602,7 @@
               </a:rPr>
               <a:t>).</a:t>
             </a:r>
-            <a:endParaRPr lang="en-US"/>
+            <a:endParaRPr lang="en-US" dirty="0"/>
           </a:p>
         </p:txBody>
       </p:sp>
@@ -20635,7 +20628,8 @@
           <a:lstStyle/>
           <a:p>
             <a:fld id="{0CBC5EF4-CF41-40E4-B7AA-7B7AD504241F}" type="datetime1">
-              <a:t>1/25/2026</a:t>
+              <a:rPr lang="sr-Latn-RS"/>
+              <a:t>26.1.2026.</a:t>
             </a:fld>
             <a:endParaRPr lang="en-US" dirty="0"/>
           </a:p>
@@ -21245,7 +21239,8 @@
           <a:lstStyle/>
           <a:p>
             <a:fld id="{AF4A94C6-66A7-4D9A-81EB-501A8417E2B7}" type="datetime1">
-              <a:t>1/25/2026</a:t>
+              <a:rPr lang="sr-Latn-RS"/>
+              <a:t>26.1.2026.</a:t>
             </a:fld>
             <a:endParaRPr lang="en-US" dirty="0"/>
           </a:p>
